--- a/hicks-dscresources.pptx
+++ b/hicks-dscresources.pptx
@@ -11851,7 +11851,7 @@
             <a:fld id="{B61BEF0D-F0BB-DE4B-95CE-6DB70DBA9567}" type="datetimeFigureOut">
               <a:rPr lang="en-US" smtClean="0"/>
               <a:pPr/>
-              <a:t>3/26/2018</a:t>
+              <a:t>3/29/2018</a:t>
             </a:fld>
             <a:endParaRPr lang="en-US" dirty="0"/>
           </a:p>
@@ -12431,7 +12431,7 @@
             <a:fld id="{B61BEF0D-F0BB-DE4B-95CE-6DB70DBA9567}" type="datetimeFigureOut">
               <a:rPr lang="en-US" smtClean="0"/>
               <a:pPr/>
-              <a:t>3/26/2018</a:t>
+              <a:t>3/29/2018</a:t>
             </a:fld>
             <a:endParaRPr lang="en-US" dirty="0"/>
           </a:p>
@@ -12673,7 +12673,7 @@
             <a:fld id="{B61BEF0D-F0BB-DE4B-95CE-6DB70DBA9567}" type="datetimeFigureOut">
               <a:rPr lang="en-US" smtClean="0"/>
               <a:pPr/>
-              <a:t>3/26/2018</a:t>
+              <a:t>3/29/2018</a:t>
             </a:fld>
             <a:endParaRPr lang="en-US" dirty="0"/>
           </a:p>
@@ -12929,7 +12929,7 @@
             <a:fld id="{B61BEF0D-F0BB-DE4B-95CE-6DB70DBA9567}" type="datetimeFigureOut">
               <a:rPr lang="en-US" smtClean="0"/>
               <a:pPr/>
-              <a:t>3/26/2018</a:t>
+              <a:t>3/29/2018</a:t>
             </a:fld>
             <a:endParaRPr lang="en-US" dirty="0"/>
           </a:p>
@@ -13290,7 +13290,7 @@
             <a:fld id="{B61BEF0D-F0BB-DE4B-95CE-6DB70DBA9567}" type="datetimeFigureOut">
               <a:rPr lang="en-US" smtClean="0"/>
               <a:pPr/>
-              <a:t>3/26/2018</a:t>
+              <a:t>3/29/2018</a:t>
             </a:fld>
             <a:endParaRPr lang="en-US" dirty="0"/>
           </a:p>
@@ -13404,7 +13404,7 @@
             <a:fld id="{B61BEF0D-F0BB-DE4B-95CE-6DB70DBA9567}" type="datetimeFigureOut">
               <a:rPr lang="en-US" smtClean="0"/>
               <a:pPr/>
-              <a:t>3/26/2018</a:t>
+              <a:t>3/29/2018</a:t>
             </a:fld>
             <a:endParaRPr lang="en-US" dirty="0"/>
           </a:p>
@@ -13496,7 +13496,7 @@
             <a:fld id="{B61BEF0D-F0BB-DE4B-95CE-6DB70DBA9567}" type="datetimeFigureOut">
               <a:rPr lang="en-US" smtClean="0"/>
               <a:pPr/>
-              <a:t>3/26/2018</a:t>
+              <a:t>3/29/2018</a:t>
             </a:fld>
             <a:endParaRPr lang="en-US" dirty="0"/>
           </a:p>
@@ -13768,7 +13768,7 @@
             <a:fld id="{B61BEF0D-F0BB-DE4B-95CE-6DB70DBA9567}" type="datetimeFigureOut">
               <a:rPr lang="en-US" smtClean="0"/>
               <a:pPr/>
-              <a:t>3/26/2018</a:t>
+              <a:t>3/29/2018</a:t>
             </a:fld>
             <a:endParaRPr lang="en-US" dirty="0"/>
           </a:p>
@@ -14017,7 +14017,7 @@
             <a:fld id="{B61BEF0D-F0BB-DE4B-95CE-6DB70DBA9567}" type="datetimeFigureOut">
               <a:rPr lang="en-US" smtClean="0"/>
               <a:pPr/>
-              <a:t>3/26/2018</a:t>
+              <a:t>3/29/2018</a:t>
             </a:fld>
             <a:endParaRPr lang="en-US" dirty="0"/>
           </a:p>
@@ -14225,7 +14225,7 @@
             <a:fld id="{B61BEF0D-F0BB-DE4B-95CE-6DB70DBA9567}" type="datetimeFigureOut">
               <a:rPr lang="en-US" smtClean="0"/>
               <a:pPr/>
-              <a:t>3/26/2018</a:t>
+              <a:t>3/29/2018</a:t>
             </a:fld>
             <a:endParaRPr lang="en-US" dirty="0"/>
           </a:p>
@@ -15861,7 +15861,10 @@
           <a:bodyPr/>
           <a:lstStyle/>
           <a:p>
-            <a:endParaRPr lang="en-US"/>
+            <a:r>
+              <a:rPr lang="en-US" dirty="0"/>
+              <a:t>https://github.com/jdhitsolutions/dscresourcedemo</a:t>
+            </a:r>
           </a:p>
         </p:txBody>
       </p:sp>
@@ -16315,6 +16318,45 @@
           <a:chExt cx="0" cy="0"/>
         </a:xfrm>
       </p:grpSpPr>
+      <p:sp>
+        <p:nvSpPr>
+          <p:cNvPr id="2" name="TextBox 1">
+            <a:extLst>
+              <a:ext uri="{FF2B5EF4-FFF2-40B4-BE49-F238E27FC236}">
+                <a16:creationId xmlns:a16="http://schemas.microsoft.com/office/drawing/2014/main" id="{C601E535-E096-4350-B22D-094A2FAF01A3}"/>
+              </a:ext>
+            </a:extLst>
+          </p:cNvPr>
+          <p:cNvSpPr txBox="1"/>
+          <p:nvPr/>
+        </p:nvSpPr>
+        <p:spPr>
+          <a:xfrm>
+            <a:off x="1488402" y="3183713"/>
+            <a:ext cx="9090604" cy="954107"/>
+          </a:xfrm>
+          <a:prstGeom prst="rect">
+            <a:avLst/>
+          </a:prstGeom>
+          <a:noFill/>
+        </p:spPr>
+        <p:txBody>
+          <a:bodyPr wrap="square" rtlCol="0">
+            <a:spAutoFit/>
+          </a:bodyPr>
+          <a:lstStyle/>
+          <a:p>
+            <a:r>
+              <a:rPr lang="en-US" sz="2800" dirty="0">
+                <a:solidFill>
+                  <a:srgbClr val="FF0000"/>
+                </a:solidFill>
+              </a:rPr>
+              <a:t>Download demos: https://github.com/jdhitsolutions/dscresourcedemo</a:t>
+            </a:r>
+          </a:p>
+        </p:txBody>
+      </p:sp>
     </p:spTree>
     <p:extLst>
       <p:ext uri="{BB962C8B-B14F-4D97-AF65-F5344CB8AC3E}">
